--- a/android/sayhello/decl/doc/slides.pptx
+++ b/android/sayhello/decl/doc/slides.pptx
@@ -201,7 +201,7 @@
           <a:p>
             <a:fld id="{801789AF-FC02-4F00-A686-0A8A976FE0C7}" type="datetimeFigureOut">
               <a:rPr lang="en-US" smtClean="0"/>
-              <a:t>7/30/2015</a:t>
+              <a:t>8/6/2015</a:t>
             </a:fld>
             <a:endParaRPr lang="en-US"/>
           </a:p>
@@ -4682,7 +4682,7 @@
       </p:sp>
       <p:pic>
         <p:nvPicPr>
-          <p:cNvPr id="8" name="Picture 7"/>
+          <p:cNvPr id="2" name="Picture 1"/>
           <p:cNvPicPr>
             <a:picLocks noChangeAspect="1"/>
           </p:cNvPicPr>
@@ -4702,8 +4702,8 @@
         </p:blipFill>
         <p:spPr>
           <a:xfrm>
-            <a:off x="849225" y="1196824"/>
-            <a:ext cx="3261224" cy="5194156"/>
+            <a:off x="1114624" y="1097860"/>
+            <a:ext cx="2993027" cy="5320937"/>
           </a:xfrm>
           <a:prstGeom prst="rect">
             <a:avLst/>
@@ -4712,7 +4712,7 @@
       </p:pic>
       <p:pic>
         <p:nvPicPr>
-          <p:cNvPr id="9" name="Picture 8"/>
+          <p:cNvPr id="3" name="Picture 2"/>
           <p:cNvPicPr>
             <a:picLocks noChangeAspect="1"/>
           </p:cNvPicPr>
@@ -4732,8 +4732,8 @@
         </p:blipFill>
         <p:spPr>
           <a:xfrm>
-            <a:off x="4297812" y="1181314"/>
-            <a:ext cx="3261224" cy="5209665"/>
+            <a:off x="4210733" y="1070043"/>
+            <a:ext cx="3008674" cy="5348754"/>
           </a:xfrm>
           <a:prstGeom prst="rect">
             <a:avLst/>
@@ -4742,7 +4742,7 @@
       </p:pic>
       <p:pic>
         <p:nvPicPr>
-          <p:cNvPr id="10" name="Picture 9"/>
+          <p:cNvPr id="11" name="Picture 10"/>
           <p:cNvPicPr>
             <a:picLocks noChangeAspect="1"/>
           </p:cNvPicPr>
@@ -4762,8 +4762,8 @@
         </p:blipFill>
         <p:spPr>
           <a:xfrm>
-            <a:off x="7781246" y="1181313"/>
-            <a:ext cx="3261224" cy="5209665"/>
+            <a:off x="7318177" y="1080074"/>
+            <a:ext cx="3008674" cy="5356508"/>
           </a:xfrm>
           <a:prstGeom prst="rect">
             <a:avLst/>
